--- a/images/release_logos.pptx
+++ b/images/release_logos.pptx
@@ -104,6 +104,11 @@
       </a:defRPr>
     </a:lvl9pPr>
   </p:defaultTextStyle>
+  <p:extLst>
+    <p:ext uri="{EFAFB233-063F-42B5-8137-9DF3F51BA10A}">
+      <p15:sldGuideLst xmlns:p15="http://schemas.microsoft.com/office/powerpoint/2012/main"/>
+    </p:ext>
+  </p:extLst>
 </p:presentation>
 </file>
 
@@ -238,7 +243,7 @@
           <a:p>
             <a:fld id="{2F184507-51F5-4746-AA54-9A4F12500B9F}" type="datetimeFigureOut">
               <a:rPr lang="it-IT" smtClean="0"/>
-              <a:t>15/09/2014</a:t>
+              <a:t>29/09/2014</a:t>
             </a:fld>
             <a:endParaRPr lang="it-IT"/>
           </a:p>
@@ -408,7 +413,7 @@
           <a:p>
             <a:fld id="{2F184507-51F5-4746-AA54-9A4F12500B9F}" type="datetimeFigureOut">
               <a:rPr lang="it-IT" smtClean="0"/>
-              <a:t>15/09/2014</a:t>
+              <a:t>29/09/2014</a:t>
             </a:fld>
             <a:endParaRPr lang="it-IT"/>
           </a:p>
@@ -588,7 +593,7 @@
           <a:p>
             <a:fld id="{2F184507-51F5-4746-AA54-9A4F12500B9F}" type="datetimeFigureOut">
               <a:rPr lang="it-IT" smtClean="0"/>
-              <a:t>15/09/2014</a:t>
+              <a:t>29/09/2014</a:t>
             </a:fld>
             <a:endParaRPr lang="it-IT"/>
           </a:p>
@@ -758,7 +763,7 @@
           <a:p>
             <a:fld id="{2F184507-51F5-4746-AA54-9A4F12500B9F}" type="datetimeFigureOut">
               <a:rPr lang="it-IT" smtClean="0"/>
-              <a:t>15/09/2014</a:t>
+              <a:t>29/09/2014</a:t>
             </a:fld>
             <a:endParaRPr lang="it-IT"/>
           </a:p>
@@ -1004,7 +1009,7 @@
           <a:p>
             <a:fld id="{2F184507-51F5-4746-AA54-9A4F12500B9F}" type="datetimeFigureOut">
               <a:rPr lang="it-IT" smtClean="0"/>
-              <a:t>15/09/2014</a:t>
+              <a:t>29/09/2014</a:t>
             </a:fld>
             <a:endParaRPr lang="it-IT"/>
           </a:p>
@@ -1236,7 +1241,7 @@
           <a:p>
             <a:fld id="{2F184507-51F5-4746-AA54-9A4F12500B9F}" type="datetimeFigureOut">
               <a:rPr lang="it-IT" smtClean="0"/>
-              <a:t>15/09/2014</a:t>
+              <a:t>29/09/2014</a:t>
             </a:fld>
             <a:endParaRPr lang="it-IT"/>
           </a:p>
@@ -1603,7 +1608,7 @@
           <a:p>
             <a:fld id="{2F184507-51F5-4746-AA54-9A4F12500B9F}" type="datetimeFigureOut">
               <a:rPr lang="it-IT" smtClean="0"/>
-              <a:t>15/09/2014</a:t>
+              <a:t>29/09/2014</a:t>
             </a:fld>
             <a:endParaRPr lang="it-IT"/>
           </a:p>
@@ -1721,7 +1726,7 @@
           <a:p>
             <a:fld id="{2F184507-51F5-4746-AA54-9A4F12500B9F}" type="datetimeFigureOut">
               <a:rPr lang="it-IT" smtClean="0"/>
-              <a:t>15/09/2014</a:t>
+              <a:t>29/09/2014</a:t>
             </a:fld>
             <a:endParaRPr lang="it-IT"/>
           </a:p>
@@ -1816,7 +1821,7 @@
           <a:p>
             <a:fld id="{2F184507-51F5-4746-AA54-9A4F12500B9F}" type="datetimeFigureOut">
               <a:rPr lang="it-IT" smtClean="0"/>
-              <a:t>15/09/2014</a:t>
+              <a:t>29/09/2014</a:t>
             </a:fld>
             <a:endParaRPr lang="it-IT"/>
           </a:p>
@@ -2093,7 +2098,7 @@
           <a:p>
             <a:fld id="{2F184507-51F5-4746-AA54-9A4F12500B9F}" type="datetimeFigureOut">
               <a:rPr lang="it-IT" smtClean="0"/>
-              <a:t>15/09/2014</a:t>
+              <a:t>29/09/2014</a:t>
             </a:fld>
             <a:endParaRPr lang="it-IT"/>
           </a:p>
@@ -2346,7 +2351,7 @@
           <a:p>
             <a:fld id="{2F184507-51F5-4746-AA54-9A4F12500B9F}" type="datetimeFigureOut">
               <a:rPr lang="it-IT" smtClean="0"/>
-              <a:t>15/09/2014</a:t>
+              <a:t>29/09/2014</a:t>
             </a:fld>
             <a:endParaRPr lang="it-IT"/>
           </a:p>
@@ -2559,7 +2564,7 @@
           <a:p>
             <a:fld id="{2F184507-51F5-4746-AA54-9A4F12500B9F}" type="datetimeFigureOut">
               <a:rPr lang="it-IT" smtClean="0"/>
-              <a:t>15/09/2014</a:t>
+              <a:t>29/09/2014</a:t>
             </a:fld>
             <a:endParaRPr lang="it-IT"/>
           </a:p>
@@ -3204,6 +3209,301 @@
           </a:extLst>
         </p:spPr>
       </p:pic>
+      <p:pic>
+        <p:nvPicPr>
+          <p:cNvPr id="8" name="Picture 2" descr="https://cdn1.iconfinder.com/data/icons/flurry-icons-for-deviants/256/command_prompt_256x256x32.png"/>
+          <p:cNvPicPr>
+            <a:picLocks noChangeAspect="1" noChangeArrowheads="1"/>
+          </p:cNvPicPr>
+          <p:nvPr/>
+        </p:nvPicPr>
+        <p:blipFill>
+          <a:blip r:embed="rId5" cstate="print">
+            <a:extLst>
+              <a:ext uri="{28A0092B-C50C-407E-A947-70E740481C1C}">
+                <a14:useLocalDpi xmlns:a14="http://schemas.microsoft.com/office/drawing/2010/main" val="0"/>
+              </a:ext>
+            </a:extLst>
+          </a:blip>
+          <a:srcRect/>
+          <a:stretch>
+            <a:fillRect/>
+          </a:stretch>
+        </p:blipFill>
+        <p:spPr bwMode="auto">
+          <a:xfrm>
+            <a:off x="5602429" y="4707998"/>
+            <a:ext cx="314118" cy="314118"/>
+          </a:xfrm>
+          <a:prstGeom prst="rect">
+            <a:avLst/>
+          </a:prstGeom>
+          <a:noFill/>
+          <a:extLst>
+            <a:ext uri="{909E8E84-426E-40DD-AFC4-6F175D3DCCD1}">
+              <a14:hiddenFill xmlns:a14="http://schemas.microsoft.com/office/drawing/2010/main">
+                <a:solidFill>
+                  <a:srgbClr val="FFFFFF"/>
+                </a:solidFill>
+              </a14:hiddenFill>
+            </a:ext>
+          </a:extLst>
+        </p:spPr>
+      </p:pic>
+      <p:pic>
+        <p:nvPicPr>
+          <p:cNvPr id="2" name="Picture 2" descr="http://www.lemonbytes.com/wp-content/uploads/2013/06/logo_gui.png"/>
+          <p:cNvPicPr>
+            <a:picLocks noChangeAspect="1" noChangeArrowheads="1"/>
+          </p:cNvPicPr>
+          <p:nvPr/>
+        </p:nvPicPr>
+        <p:blipFill>
+          <a:blip r:embed="rId8">
+            <a:extLst>
+              <a:ext uri="{28A0092B-C50C-407E-A947-70E740481C1C}">
+                <a14:useLocalDpi xmlns:a14="http://schemas.microsoft.com/office/drawing/2010/main" val="0"/>
+              </a:ext>
+            </a:extLst>
+          </a:blip>
+          <a:srcRect/>
+          <a:stretch>
+            <a:fillRect/>
+          </a:stretch>
+        </p:blipFill>
+        <p:spPr bwMode="auto">
+          <a:xfrm>
+            <a:off x="6309381" y="4295839"/>
+            <a:ext cx="1219200" cy="1219201"/>
+          </a:xfrm>
+          <a:prstGeom prst="rect">
+            <a:avLst/>
+          </a:prstGeom>
+          <a:noFill/>
+          <a:extLst>
+            <a:ext uri="{909E8E84-426E-40DD-AFC4-6F175D3DCCD1}">
+              <a14:hiddenFill xmlns:a14="http://schemas.microsoft.com/office/drawing/2010/main">
+                <a:solidFill>
+                  <a:srgbClr val="FFFFFF"/>
+                </a:solidFill>
+              </a14:hiddenFill>
+            </a:ext>
+          </a:extLst>
+        </p:spPr>
+      </p:pic>
+      <p:pic>
+        <p:nvPicPr>
+          <p:cNvPr id="1028" name="Picture 4" descr="http://4stream.com.br/wp-content/uploads/2013/03/advanced-setup-large-icon-2x.png"/>
+          <p:cNvPicPr>
+            <a:picLocks noChangeAspect="1" noChangeArrowheads="1"/>
+          </p:cNvPicPr>
+          <p:nvPr/>
+        </p:nvPicPr>
+        <p:blipFill>
+          <a:blip r:embed="rId9" cstate="print">
+            <a:extLst>
+              <a:ext uri="{28A0092B-C50C-407E-A947-70E740481C1C}">
+                <a14:useLocalDpi xmlns:a14="http://schemas.microsoft.com/office/drawing/2010/main" val="0"/>
+              </a:ext>
+            </a:extLst>
+          </a:blip>
+          <a:srcRect/>
+          <a:stretch>
+            <a:fillRect/>
+          </a:stretch>
+        </p:blipFill>
+        <p:spPr bwMode="auto">
+          <a:xfrm>
+            <a:off x="1579564" y="2207466"/>
+            <a:ext cx="626741" cy="626741"/>
+          </a:xfrm>
+          <a:prstGeom prst="rect">
+            <a:avLst/>
+          </a:prstGeom>
+          <a:noFill/>
+          <a:extLst>
+            <a:ext uri="{909E8E84-426E-40DD-AFC4-6F175D3DCCD1}">
+              <a14:hiddenFill xmlns:a14="http://schemas.microsoft.com/office/drawing/2010/main">
+                <a:solidFill>
+                  <a:srgbClr val="FFFFFF"/>
+                </a:solidFill>
+              </a14:hiddenFill>
+            </a:ext>
+          </a:extLst>
+        </p:spPr>
+      </p:pic>
+      <p:pic>
+        <p:nvPicPr>
+          <p:cNvPr id="3" name="Picture 6" descr="http://www.doremisoft.net/images/icon/userguide-icon/basic-usage.png"/>
+          <p:cNvPicPr>
+            <a:picLocks noChangeAspect="1" noChangeArrowheads="1"/>
+          </p:cNvPicPr>
+          <p:nvPr/>
+        </p:nvPicPr>
+        <p:blipFill>
+          <a:blip r:embed="rId10">
+            <a:extLst>
+              <a:ext uri="{28A0092B-C50C-407E-A947-70E740481C1C}">
+                <a14:useLocalDpi xmlns:a14="http://schemas.microsoft.com/office/drawing/2010/main" val="0"/>
+              </a:ext>
+            </a:extLst>
+          </a:blip>
+          <a:srcRect/>
+          <a:stretch>
+            <a:fillRect/>
+          </a:stretch>
+        </p:blipFill>
+        <p:spPr bwMode="auto">
+          <a:xfrm>
+            <a:off x="2479326" y="866206"/>
+            <a:ext cx="1066800" cy="1066801"/>
+          </a:xfrm>
+          <a:prstGeom prst="rect">
+            <a:avLst/>
+          </a:prstGeom>
+          <a:noFill/>
+          <a:extLst>
+            <a:ext uri="{909E8E84-426E-40DD-AFC4-6F175D3DCCD1}">
+              <a14:hiddenFill xmlns:a14="http://schemas.microsoft.com/office/drawing/2010/main">
+                <a:solidFill>
+                  <a:srgbClr val="FFFFFF"/>
+                </a:solidFill>
+              </a14:hiddenFill>
+            </a:ext>
+          </a:extLst>
+        </p:spPr>
+      </p:pic>
+      <p:pic>
+        <p:nvPicPr>
+          <p:cNvPr id="1034" name="Picture 10" descr="http://www.leadformix.com/blog/wp-content/uploads/2013/11/Sales-Pipelines1.jpg"/>
+          <p:cNvPicPr>
+            <a:picLocks noChangeAspect="1" noChangeArrowheads="1"/>
+          </p:cNvPicPr>
+          <p:nvPr/>
+        </p:nvPicPr>
+        <p:blipFill rotWithShape="1">
+          <a:blip r:embed="rId11">
+            <a:extLst>
+              <a:ext uri="{28A0092B-C50C-407E-A947-70E740481C1C}">
+                <a14:useLocalDpi xmlns:a14="http://schemas.microsoft.com/office/drawing/2010/main" val="0"/>
+              </a:ext>
+            </a:extLst>
+          </a:blip>
+          <a:srcRect l="25842" t="10526" r="29000" b="8360"/>
+          <a:stretch/>
+        </p:blipFill>
+        <p:spPr bwMode="auto">
+          <a:xfrm>
+            <a:off x="2424418" y="4041838"/>
+            <a:ext cx="1163232" cy="1394228"/>
+          </a:xfrm>
+          <a:prstGeom prst="rect">
+            <a:avLst/>
+          </a:prstGeom>
+          <a:noFill/>
+          <a:extLst>
+            <a:ext uri="{909E8E84-426E-40DD-AFC4-6F175D3DCCD1}">
+              <a14:hiddenFill xmlns:a14="http://schemas.microsoft.com/office/drawing/2010/main">
+                <a:solidFill>
+                  <a:srgbClr val="FFFFFF"/>
+                </a:solidFill>
+              </a14:hiddenFill>
+            </a:ext>
+          </a:extLst>
+        </p:spPr>
+      </p:pic>
+      <p:pic>
+        <p:nvPicPr>
+          <p:cNvPr id="1036" name="Picture 12" descr="http://1.bp.blogspot.com/-mzDmJX5vH38/UiWJ7iG1VhI/AAAAAAAAHtc/VbgetYnoStU/s1600/zUAYZmFw9SE0YURq9r9kTFpFlODj67lGDPRZhnnMBnJa_xCyZIKfb9ODQ7jvNKejfL0=w300.png"/>
+          <p:cNvPicPr>
+            <a:picLocks noChangeAspect="1" noChangeArrowheads="1"/>
+          </p:cNvPicPr>
+          <p:nvPr/>
+        </p:nvPicPr>
+        <p:blipFill>
+          <a:blip r:embed="rId12" cstate="print">
+            <a:extLst>
+              <a:ext uri="{28A0092B-C50C-407E-A947-70E740481C1C}">
+                <a14:useLocalDpi xmlns:a14="http://schemas.microsoft.com/office/drawing/2010/main" val="0"/>
+              </a:ext>
+            </a:extLst>
+          </a:blip>
+          <a:srcRect/>
+          <a:stretch>
+            <a:fillRect/>
+          </a:stretch>
+        </p:blipFill>
+        <p:spPr bwMode="auto">
+          <a:xfrm>
+            <a:off x="4506149" y="637760"/>
+            <a:ext cx="947759" cy="947759"/>
+          </a:xfrm>
+          <a:prstGeom prst="rect">
+            <a:avLst/>
+          </a:prstGeom>
+          <a:noFill/>
+          <a:extLst>
+            <a:ext uri="{909E8E84-426E-40DD-AFC4-6F175D3DCCD1}">
+              <a14:hiddenFill xmlns:a14="http://schemas.microsoft.com/office/drawing/2010/main">
+                <a:solidFill>
+                  <a:srgbClr val="FFFFFF"/>
+                </a:solidFill>
+              </a14:hiddenFill>
+            </a:ext>
+          </a:extLst>
+        </p:spPr>
+      </p:pic>
+      <p:pic>
+        <p:nvPicPr>
+          <p:cNvPr id="1038" name="Picture 14" descr="http://www.billtrust.com/sites/default/files/content-images/demo-icon.png"/>
+          <p:cNvPicPr>
+            <a:picLocks noChangeAspect="1" noChangeArrowheads="1"/>
+          </p:cNvPicPr>
+          <p:nvPr/>
+        </p:nvPicPr>
+        <p:blipFill rotWithShape="1">
+          <a:blip r:embed="rId13" cstate="print">
+            <a:extLst>
+              <a:ext uri="{BEBA8EAE-BF5A-486C-A8C5-ECC9F3942E4B}">
+                <a14:imgProps xmlns:a14="http://schemas.microsoft.com/office/drawing/2010/main">
+                  <a14:imgLayer r:embed="rId14">
+                    <a14:imgEffect>
+                      <a14:backgroundRemoval t="10000" b="90000" l="10000" r="90000">
+                        <a14:foregroundMark x1="43173" y1="48155" x2="43173" y2="48155"/>
+                        <a14:foregroundMark x1="42989" y1="37454" x2="42989" y2="37454"/>
+                      </a14:backgroundRemoval>
+                    </a14:imgEffect>
+                  </a14:imgLayer>
+                </a14:imgProps>
+              </a:ext>
+              <a:ext uri="{28A0092B-C50C-407E-A947-70E740481C1C}">
+                <a14:useLocalDpi xmlns:a14="http://schemas.microsoft.com/office/drawing/2010/main" val="0"/>
+              </a:ext>
+            </a:extLst>
+          </a:blip>
+          <a:srcRect l="9625" t="14574" r="9679" b="14300"/>
+          <a:stretch/>
+        </p:blipFill>
+        <p:spPr bwMode="auto">
+          <a:xfrm>
+            <a:off x="7793633" y="339865"/>
+            <a:ext cx="1751242" cy="1543547"/>
+          </a:xfrm>
+          <a:prstGeom prst="rect">
+            <a:avLst/>
+          </a:prstGeom>
+          <a:noFill/>
+          <a:extLst>
+            <a:ext uri="{909E8E84-426E-40DD-AFC4-6F175D3DCCD1}">
+              <a14:hiddenFill xmlns:a14="http://schemas.microsoft.com/office/drawing/2010/main">
+                <a:solidFill>
+                  <a:srgbClr val="FFFFFF"/>
+                </a:solidFill>
+              </a14:hiddenFill>
+            </a:ext>
+          </a:extLst>
+        </p:spPr>
+      </p:pic>
     </p:spTree>
     <p:extLst>
       <p:ext uri="{BB962C8B-B14F-4D97-AF65-F5344CB8AC3E}">

--- a/images/release_logos.pptx
+++ b/images/release_logos.pptx
@@ -3504,6 +3504,47 @@
           </a:extLst>
         </p:spPr>
       </p:pic>
+      <p:pic>
+        <p:nvPicPr>
+          <p:cNvPr id="1040" name="Picture 16" descr="http://png-5.findicons.com/files/icons/2443/bunch_of_cool_bluish_icons/512/faq.png"/>
+          <p:cNvPicPr>
+            <a:picLocks noChangeAspect="1" noChangeArrowheads="1"/>
+          </p:cNvPicPr>
+          <p:nvPr/>
+        </p:nvPicPr>
+        <p:blipFill>
+          <a:blip r:embed="rId15" cstate="print">
+            <a:extLst>
+              <a:ext uri="{28A0092B-C50C-407E-A947-70E740481C1C}">
+                <a14:useLocalDpi xmlns:a14="http://schemas.microsoft.com/office/drawing/2010/main" val="0"/>
+              </a:ext>
+            </a:extLst>
+          </a:blip>
+          <a:srcRect/>
+          <a:stretch>
+            <a:fillRect/>
+          </a:stretch>
+        </p:blipFill>
+        <p:spPr bwMode="auto">
+          <a:xfrm>
+            <a:off x="9738335" y="4169328"/>
+            <a:ext cx="1447845" cy="1447845"/>
+          </a:xfrm>
+          <a:prstGeom prst="rect">
+            <a:avLst/>
+          </a:prstGeom>
+          <a:noFill/>
+          <a:extLst>
+            <a:ext uri="{909E8E84-426E-40DD-AFC4-6F175D3DCCD1}">
+              <a14:hiddenFill xmlns:a14="http://schemas.microsoft.com/office/drawing/2010/main">
+                <a:solidFill>
+                  <a:srgbClr val="FFFFFF"/>
+                </a:solidFill>
+              </a14:hiddenFill>
+            </a:ext>
+          </a:extLst>
+        </p:spPr>
+      </p:pic>
     </p:spTree>
     <p:extLst>
       <p:ext uri="{BB962C8B-B14F-4D97-AF65-F5344CB8AC3E}">

--- a/images/release_logos.pptx
+++ b/images/release_logos.pptx
@@ -243,7 +243,7 @@
           <a:p>
             <a:fld id="{2F184507-51F5-4746-AA54-9A4F12500B9F}" type="datetimeFigureOut">
               <a:rPr lang="it-IT" smtClean="0"/>
-              <a:t>29/09/2014</a:t>
+              <a:t>30/09/2014</a:t>
             </a:fld>
             <a:endParaRPr lang="it-IT"/>
           </a:p>
@@ -413,7 +413,7 @@
           <a:p>
             <a:fld id="{2F184507-51F5-4746-AA54-9A4F12500B9F}" type="datetimeFigureOut">
               <a:rPr lang="it-IT" smtClean="0"/>
-              <a:t>29/09/2014</a:t>
+              <a:t>30/09/2014</a:t>
             </a:fld>
             <a:endParaRPr lang="it-IT"/>
           </a:p>
@@ -593,7 +593,7 @@
           <a:p>
             <a:fld id="{2F184507-51F5-4746-AA54-9A4F12500B9F}" type="datetimeFigureOut">
               <a:rPr lang="it-IT" smtClean="0"/>
-              <a:t>29/09/2014</a:t>
+              <a:t>30/09/2014</a:t>
             </a:fld>
             <a:endParaRPr lang="it-IT"/>
           </a:p>
@@ -763,7 +763,7 @@
           <a:p>
             <a:fld id="{2F184507-51F5-4746-AA54-9A4F12500B9F}" type="datetimeFigureOut">
               <a:rPr lang="it-IT" smtClean="0"/>
-              <a:t>29/09/2014</a:t>
+              <a:t>30/09/2014</a:t>
             </a:fld>
             <a:endParaRPr lang="it-IT"/>
           </a:p>
@@ -1009,7 +1009,7 @@
           <a:p>
             <a:fld id="{2F184507-51F5-4746-AA54-9A4F12500B9F}" type="datetimeFigureOut">
               <a:rPr lang="it-IT" smtClean="0"/>
-              <a:t>29/09/2014</a:t>
+              <a:t>30/09/2014</a:t>
             </a:fld>
             <a:endParaRPr lang="it-IT"/>
           </a:p>
@@ -1241,7 +1241,7 @@
           <a:p>
             <a:fld id="{2F184507-51F5-4746-AA54-9A4F12500B9F}" type="datetimeFigureOut">
               <a:rPr lang="it-IT" smtClean="0"/>
-              <a:t>29/09/2014</a:t>
+              <a:t>30/09/2014</a:t>
             </a:fld>
             <a:endParaRPr lang="it-IT"/>
           </a:p>
@@ -1608,7 +1608,7 @@
           <a:p>
             <a:fld id="{2F184507-51F5-4746-AA54-9A4F12500B9F}" type="datetimeFigureOut">
               <a:rPr lang="it-IT" smtClean="0"/>
-              <a:t>29/09/2014</a:t>
+              <a:t>30/09/2014</a:t>
             </a:fld>
             <a:endParaRPr lang="it-IT"/>
           </a:p>
@@ -1726,7 +1726,7 @@
           <a:p>
             <a:fld id="{2F184507-51F5-4746-AA54-9A4F12500B9F}" type="datetimeFigureOut">
               <a:rPr lang="it-IT" smtClean="0"/>
-              <a:t>29/09/2014</a:t>
+              <a:t>30/09/2014</a:t>
             </a:fld>
             <a:endParaRPr lang="it-IT"/>
           </a:p>
@@ -1821,7 +1821,7 @@
           <a:p>
             <a:fld id="{2F184507-51F5-4746-AA54-9A4F12500B9F}" type="datetimeFigureOut">
               <a:rPr lang="it-IT" smtClean="0"/>
-              <a:t>29/09/2014</a:t>
+              <a:t>30/09/2014</a:t>
             </a:fld>
             <a:endParaRPr lang="it-IT"/>
           </a:p>
@@ -2098,7 +2098,7 @@
           <a:p>
             <a:fld id="{2F184507-51F5-4746-AA54-9A4F12500B9F}" type="datetimeFigureOut">
               <a:rPr lang="it-IT" smtClean="0"/>
-              <a:t>29/09/2014</a:t>
+              <a:t>30/09/2014</a:t>
             </a:fld>
             <a:endParaRPr lang="it-IT"/>
           </a:p>
@@ -2351,7 +2351,7 @@
           <a:p>
             <a:fld id="{2F184507-51F5-4746-AA54-9A4F12500B9F}" type="datetimeFigureOut">
               <a:rPr lang="it-IT" smtClean="0"/>
-              <a:t>29/09/2014</a:t>
+              <a:t>30/09/2014</a:t>
             </a:fld>
             <a:endParaRPr lang="it-IT"/>
           </a:p>
@@ -2564,7 +2564,7 @@
           <a:p>
             <a:fld id="{2F184507-51F5-4746-AA54-9A4F12500B9F}" type="datetimeFigureOut">
               <a:rPr lang="it-IT" smtClean="0"/>
-              <a:t>29/09/2014</a:t>
+              <a:t>30/09/2014</a:t>
             </a:fld>
             <a:endParaRPr lang="it-IT"/>
           </a:p>
@@ -3314,7 +3314,7 @@
         </p:blipFill>
         <p:spPr bwMode="auto">
           <a:xfrm>
-            <a:off x="1579564" y="2207466"/>
+            <a:off x="2165955" y="2287677"/>
             <a:ext cx="626741" cy="626741"/>
           </a:xfrm>
           <a:prstGeom prst="rect">
@@ -3375,27 +3375,29 @@
       </p:pic>
       <p:pic>
         <p:nvPicPr>
-          <p:cNvPr id="1034" name="Picture 10" descr="http://www.leadformix.com/blog/wp-content/uploads/2013/11/Sales-Pipelines1.jpg"/>
+          <p:cNvPr id="1036" name="Picture 12" descr="http://1.bp.blogspot.com/-mzDmJX5vH38/UiWJ7iG1VhI/AAAAAAAAHtc/VbgetYnoStU/s1600/zUAYZmFw9SE0YURq9r9kTFpFlODj67lGDPRZhnnMBnJa_xCyZIKfb9ODQ7jvNKejfL0=w300.png"/>
           <p:cNvPicPr>
             <a:picLocks noChangeAspect="1" noChangeArrowheads="1"/>
           </p:cNvPicPr>
           <p:nvPr/>
         </p:nvPicPr>
-        <p:blipFill rotWithShape="1">
-          <a:blip r:embed="rId11">
+        <p:blipFill>
+          <a:blip r:embed="rId11" cstate="print">
             <a:extLst>
               <a:ext uri="{28A0092B-C50C-407E-A947-70E740481C1C}">
                 <a14:useLocalDpi xmlns:a14="http://schemas.microsoft.com/office/drawing/2010/main" val="0"/>
               </a:ext>
             </a:extLst>
           </a:blip>
-          <a:srcRect l="25842" t="10526" r="29000" b="8360"/>
-          <a:stretch/>
+          <a:srcRect/>
+          <a:stretch>
+            <a:fillRect/>
+          </a:stretch>
         </p:blipFill>
         <p:spPr bwMode="auto">
           <a:xfrm>
-            <a:off x="2424418" y="4041838"/>
-            <a:ext cx="1163232" cy="1394228"/>
+            <a:off x="4506149" y="637760"/>
+            <a:ext cx="947759" cy="947759"/>
           </a:xfrm>
           <a:prstGeom prst="rect">
             <a:avLst/>
@@ -3414,47 +3416,6 @@
       </p:pic>
       <p:pic>
         <p:nvPicPr>
-          <p:cNvPr id="1036" name="Picture 12" descr="http://1.bp.blogspot.com/-mzDmJX5vH38/UiWJ7iG1VhI/AAAAAAAAHtc/VbgetYnoStU/s1600/zUAYZmFw9SE0YURq9r9kTFpFlODj67lGDPRZhnnMBnJa_xCyZIKfb9ODQ7jvNKejfL0=w300.png"/>
-          <p:cNvPicPr>
-            <a:picLocks noChangeAspect="1" noChangeArrowheads="1"/>
-          </p:cNvPicPr>
-          <p:nvPr/>
-        </p:nvPicPr>
-        <p:blipFill>
-          <a:blip r:embed="rId12" cstate="print">
-            <a:extLst>
-              <a:ext uri="{28A0092B-C50C-407E-A947-70E740481C1C}">
-                <a14:useLocalDpi xmlns:a14="http://schemas.microsoft.com/office/drawing/2010/main" val="0"/>
-              </a:ext>
-            </a:extLst>
-          </a:blip>
-          <a:srcRect/>
-          <a:stretch>
-            <a:fillRect/>
-          </a:stretch>
-        </p:blipFill>
-        <p:spPr bwMode="auto">
-          <a:xfrm>
-            <a:off x="4506149" y="637760"/>
-            <a:ext cx="947759" cy="947759"/>
-          </a:xfrm>
-          <a:prstGeom prst="rect">
-            <a:avLst/>
-          </a:prstGeom>
-          <a:noFill/>
-          <a:extLst>
-            <a:ext uri="{909E8E84-426E-40DD-AFC4-6F175D3DCCD1}">
-              <a14:hiddenFill xmlns:a14="http://schemas.microsoft.com/office/drawing/2010/main">
-                <a:solidFill>
-                  <a:srgbClr val="FFFFFF"/>
-                </a:solidFill>
-              </a14:hiddenFill>
-            </a:ext>
-          </a:extLst>
-        </p:spPr>
-      </p:pic>
-      <p:pic>
-        <p:nvPicPr>
           <p:cNvPr id="1038" name="Picture 14" descr="http://www.billtrust.com/sites/default/files/content-images/demo-icon.png"/>
           <p:cNvPicPr>
             <a:picLocks noChangeAspect="1" noChangeArrowheads="1"/>
@@ -3462,11 +3423,11 @@
           <p:nvPr/>
         </p:nvPicPr>
         <p:blipFill rotWithShape="1">
-          <a:blip r:embed="rId13" cstate="print">
+          <a:blip r:embed="rId12" cstate="print">
             <a:extLst>
               <a:ext uri="{BEBA8EAE-BF5A-486C-A8C5-ECC9F3942E4B}">
                 <a14:imgProps xmlns:a14="http://schemas.microsoft.com/office/drawing/2010/main">
-                  <a14:imgLayer r:embed="rId14">
+                  <a14:imgLayer r:embed="rId13">
                     <a14:imgEffect>
                       <a14:backgroundRemoval t="10000" b="90000" l="10000" r="90000">
                         <a14:foregroundMark x1="43173" y1="48155" x2="43173" y2="48155"/>
@@ -3513,7 +3474,7 @@
           <p:nvPr/>
         </p:nvPicPr>
         <p:blipFill>
-          <a:blip r:embed="rId15" cstate="print">
+          <a:blip r:embed="rId14" cstate="print">
             <a:extLst>
               <a:ext uri="{28A0092B-C50C-407E-A947-70E740481C1C}">
                 <a14:useLocalDpi xmlns:a14="http://schemas.microsoft.com/office/drawing/2010/main" val="0"/>
@@ -3545,6 +3506,637 @@
           </a:extLst>
         </p:spPr>
       </p:pic>
+      <p:sp>
+        <p:nvSpPr>
+          <p:cNvPr id="5" name="Ovale 4"/>
+          <p:cNvSpPr/>
+          <p:nvPr/>
+        </p:nvSpPr>
+        <p:spPr>
+          <a:xfrm>
+            <a:off x="564923" y="3172247"/>
+            <a:ext cx="1260000" cy="1260000"/>
+          </a:xfrm>
+          <a:prstGeom prst="ellipse">
+            <a:avLst/>
+          </a:prstGeom>
+          <a:pattFill prst="wdUpDiag">
+            <a:fgClr>
+              <a:srgbClr val="3E3E3E"/>
+            </a:fgClr>
+            <a:bgClr>
+              <a:srgbClr val="4A4B4D"/>
+            </a:bgClr>
+          </a:pattFill>
+          <a:ln>
+            <a:noFill/>
+          </a:ln>
+        </p:spPr>
+        <p:style>
+          <a:lnRef idx="2">
+            <a:schemeClr val="accent1">
+              <a:shade val="50000"/>
+            </a:schemeClr>
+          </a:lnRef>
+          <a:fillRef idx="1">
+            <a:schemeClr val="accent1"/>
+          </a:fillRef>
+          <a:effectRef idx="0">
+            <a:schemeClr val="accent1"/>
+          </a:effectRef>
+          <a:fontRef idx="minor">
+            <a:schemeClr val="lt1"/>
+          </a:fontRef>
+        </p:style>
+        <p:txBody>
+          <a:bodyPr rtlCol="0" anchor="ctr"/>
+          <a:lstStyle/>
+          <a:p>
+            <a:pPr algn="ctr"/>
+            <a:endParaRPr lang="it-IT"/>
+          </a:p>
+        </p:txBody>
+      </p:sp>
+      <p:pic>
+        <p:nvPicPr>
+          <p:cNvPr id="6" name="Picture 2" descr="https://raw.githubusercontent.com/abria/TeraStitcher/gh-pages/images/icon_setup.png"/>
+          <p:cNvPicPr>
+            <a:picLocks noChangeAspect="1" noChangeArrowheads="1"/>
+          </p:cNvPicPr>
+          <p:nvPr/>
+        </p:nvPicPr>
+        <p:blipFill>
+          <a:blip r:embed="rId15">
+            <a:extLst>
+              <a:ext uri="{28A0092B-C50C-407E-A947-70E740481C1C}">
+                <a14:useLocalDpi xmlns:a14="http://schemas.microsoft.com/office/drawing/2010/main" val="0"/>
+              </a:ext>
+            </a:extLst>
+          </a:blip>
+          <a:srcRect/>
+          <a:stretch>
+            <a:fillRect/>
+          </a:stretch>
+        </p:blipFill>
+        <p:spPr bwMode="auto">
+          <a:xfrm>
+            <a:off x="407043" y="1411537"/>
+            <a:ext cx="1422669" cy="1422669"/>
+          </a:xfrm>
+          <a:prstGeom prst="rect">
+            <a:avLst/>
+          </a:prstGeom>
+          <a:noFill/>
+          <a:extLst>
+            <a:ext uri="{909E8E84-426E-40DD-AFC4-6F175D3DCCD1}">
+              <a14:hiddenFill xmlns:a14="http://schemas.microsoft.com/office/drawing/2010/main">
+                <a:solidFill>
+                  <a:srgbClr val="FFFFFF"/>
+                </a:solidFill>
+              </a14:hiddenFill>
+            </a:ext>
+          </a:extLst>
+        </p:spPr>
+      </p:pic>
+      <p:sp>
+        <p:nvSpPr>
+          <p:cNvPr id="19" name="Ovale 18"/>
+          <p:cNvSpPr/>
+          <p:nvPr/>
+        </p:nvSpPr>
+        <p:spPr>
+          <a:xfrm>
+            <a:off x="564923" y="4655994"/>
+            <a:ext cx="1260000" cy="1260000"/>
+          </a:xfrm>
+          <a:prstGeom prst="ellipse">
+            <a:avLst/>
+          </a:prstGeom>
+          <a:pattFill prst="wdUpDiag">
+            <a:fgClr>
+              <a:srgbClr val="3E3E3E"/>
+            </a:fgClr>
+            <a:bgClr>
+              <a:srgbClr val="4A4B4D"/>
+            </a:bgClr>
+          </a:pattFill>
+          <a:ln>
+            <a:noFill/>
+          </a:ln>
+        </p:spPr>
+        <p:style>
+          <a:lnRef idx="2">
+            <a:schemeClr val="accent1">
+              <a:shade val="50000"/>
+            </a:schemeClr>
+          </a:lnRef>
+          <a:fillRef idx="1">
+            <a:schemeClr val="accent1"/>
+          </a:fillRef>
+          <a:effectRef idx="0">
+            <a:schemeClr val="accent1"/>
+          </a:effectRef>
+          <a:fontRef idx="minor">
+            <a:schemeClr val="lt1"/>
+          </a:fontRef>
+        </p:style>
+        <p:txBody>
+          <a:bodyPr rtlCol="0" anchor="ctr"/>
+          <a:lstStyle/>
+          <a:p>
+            <a:pPr algn="ctr"/>
+            <a:r>
+              <a:rPr lang="it-IT" sz="5400" b="1" smtClean="0"/>
+              <a:t>UI</a:t>
+            </a:r>
+            <a:endParaRPr lang="it-IT" sz="5400" b="1"/>
+          </a:p>
+        </p:txBody>
+      </p:sp>
+      <p:sp>
+        <p:nvSpPr>
+          <p:cNvPr id="20" name="Ovale 19"/>
+          <p:cNvSpPr/>
+          <p:nvPr/>
+        </p:nvSpPr>
+        <p:spPr>
+          <a:xfrm>
+            <a:off x="2260719" y="3162308"/>
+            <a:ext cx="1260000" cy="1260000"/>
+          </a:xfrm>
+          <a:prstGeom prst="ellipse">
+            <a:avLst/>
+          </a:prstGeom>
+          <a:pattFill prst="wdUpDiag">
+            <a:fgClr>
+              <a:srgbClr val="3E3E3E"/>
+            </a:fgClr>
+            <a:bgClr>
+              <a:srgbClr val="4A4B4D"/>
+            </a:bgClr>
+          </a:pattFill>
+          <a:ln>
+            <a:noFill/>
+          </a:ln>
+        </p:spPr>
+        <p:style>
+          <a:lnRef idx="2">
+            <a:schemeClr val="accent1">
+              <a:shade val="50000"/>
+            </a:schemeClr>
+          </a:lnRef>
+          <a:fillRef idx="1">
+            <a:schemeClr val="accent1"/>
+          </a:fillRef>
+          <a:effectRef idx="0">
+            <a:schemeClr val="accent1"/>
+          </a:effectRef>
+          <a:fontRef idx="minor">
+            <a:schemeClr val="lt1"/>
+          </a:fontRef>
+        </p:style>
+        <p:txBody>
+          <a:bodyPr rtlCol="0" anchor="ctr"/>
+          <a:lstStyle/>
+          <a:p>
+            <a:pPr algn="ctr"/>
+            <a:endParaRPr lang="it-IT"/>
+          </a:p>
+        </p:txBody>
+      </p:sp>
+      <p:sp>
+        <p:nvSpPr>
+          <p:cNvPr id="7" name="Rettangolo 6"/>
+          <p:cNvSpPr/>
+          <p:nvPr/>
+        </p:nvSpPr>
+        <p:spPr>
+          <a:xfrm>
+            <a:off x="906473" y="3455905"/>
+            <a:ext cx="576469" cy="144000"/>
+          </a:xfrm>
+          <a:prstGeom prst="rect">
+            <a:avLst/>
+          </a:prstGeom>
+          <a:solidFill>
+            <a:schemeClr val="bg1">
+              <a:lumMod val="85000"/>
+            </a:schemeClr>
+          </a:solidFill>
+          <a:ln>
+            <a:noFill/>
+          </a:ln>
+          <a:effectLst>
+            <a:outerShdw blurRad="44450" dist="27940" dir="5400000" algn="ctr">
+              <a:srgbClr val="000000">
+                <a:alpha val="32000"/>
+              </a:srgbClr>
+            </a:outerShdw>
+          </a:effectLst>
+          <a:scene3d>
+            <a:camera prst="orthographicFront">
+              <a:rot lat="0" lon="0" rev="0"/>
+            </a:camera>
+            <a:lightRig rig="balanced" dir="t">
+              <a:rot lat="0" lon="0" rev="8700000"/>
+            </a:lightRig>
+          </a:scene3d>
+          <a:sp3d>
+            <a:bevelT w="190500" h="38100"/>
+          </a:sp3d>
+        </p:spPr>
+        <p:style>
+          <a:lnRef idx="2">
+            <a:schemeClr val="accent1">
+              <a:shade val="50000"/>
+            </a:schemeClr>
+          </a:lnRef>
+          <a:fillRef idx="1">
+            <a:schemeClr val="accent1"/>
+          </a:fillRef>
+          <a:effectRef idx="0">
+            <a:schemeClr val="accent1"/>
+          </a:effectRef>
+          <a:fontRef idx="minor">
+            <a:schemeClr val="lt1"/>
+          </a:fontRef>
+        </p:style>
+        <p:txBody>
+          <a:bodyPr rtlCol="0" anchor="ctr"/>
+          <a:lstStyle/>
+          <a:p>
+            <a:pPr algn="ctr"/>
+            <a:endParaRPr lang="it-IT"/>
+          </a:p>
+        </p:txBody>
+      </p:sp>
+      <p:sp>
+        <p:nvSpPr>
+          <p:cNvPr id="23" name="Rettangolo 22"/>
+          <p:cNvSpPr/>
+          <p:nvPr/>
+        </p:nvSpPr>
+        <p:spPr>
+          <a:xfrm>
+            <a:off x="906473" y="3760407"/>
+            <a:ext cx="576469" cy="144000"/>
+          </a:xfrm>
+          <a:prstGeom prst="rect">
+            <a:avLst/>
+          </a:prstGeom>
+          <a:solidFill>
+            <a:schemeClr val="bg1">
+              <a:lumMod val="85000"/>
+            </a:schemeClr>
+          </a:solidFill>
+          <a:ln>
+            <a:noFill/>
+          </a:ln>
+          <a:effectLst>
+            <a:outerShdw blurRad="44450" dist="27940" dir="5400000" algn="ctr">
+              <a:srgbClr val="000000">
+                <a:alpha val="32000"/>
+              </a:srgbClr>
+            </a:outerShdw>
+          </a:effectLst>
+          <a:scene3d>
+            <a:camera prst="orthographicFront">
+              <a:rot lat="0" lon="0" rev="0"/>
+            </a:camera>
+            <a:lightRig rig="balanced" dir="t">
+              <a:rot lat="0" lon="0" rev="8700000"/>
+            </a:lightRig>
+          </a:scene3d>
+          <a:sp3d>
+            <a:bevelT w="190500" h="38100"/>
+          </a:sp3d>
+        </p:spPr>
+        <p:style>
+          <a:lnRef idx="2">
+            <a:schemeClr val="accent1">
+              <a:shade val="50000"/>
+            </a:schemeClr>
+          </a:lnRef>
+          <a:fillRef idx="1">
+            <a:schemeClr val="accent1"/>
+          </a:fillRef>
+          <a:effectRef idx="0">
+            <a:schemeClr val="accent1"/>
+          </a:effectRef>
+          <a:fontRef idx="minor">
+            <a:schemeClr val="lt1"/>
+          </a:fontRef>
+        </p:style>
+        <p:txBody>
+          <a:bodyPr rtlCol="0" anchor="ctr"/>
+          <a:lstStyle/>
+          <a:p>
+            <a:pPr algn="ctr"/>
+            <a:endParaRPr lang="it-IT"/>
+          </a:p>
+        </p:txBody>
+      </p:sp>
+      <p:sp>
+        <p:nvSpPr>
+          <p:cNvPr id="24" name="Rettangolo 23"/>
+          <p:cNvSpPr/>
+          <p:nvPr/>
+        </p:nvSpPr>
+        <p:spPr>
+          <a:xfrm>
+            <a:off x="906473" y="4058560"/>
+            <a:ext cx="576469" cy="144000"/>
+          </a:xfrm>
+          <a:prstGeom prst="rect">
+            <a:avLst/>
+          </a:prstGeom>
+          <a:solidFill>
+            <a:schemeClr val="bg1">
+              <a:lumMod val="85000"/>
+            </a:schemeClr>
+          </a:solidFill>
+          <a:ln>
+            <a:noFill/>
+          </a:ln>
+          <a:effectLst>
+            <a:outerShdw blurRad="44450" dist="27940" dir="5400000" algn="ctr">
+              <a:srgbClr val="000000">
+                <a:alpha val="32000"/>
+              </a:srgbClr>
+            </a:outerShdw>
+          </a:effectLst>
+          <a:scene3d>
+            <a:camera prst="orthographicFront">
+              <a:rot lat="0" lon="0" rev="0"/>
+            </a:camera>
+            <a:lightRig rig="balanced" dir="t">
+              <a:rot lat="0" lon="0" rev="8700000"/>
+            </a:lightRig>
+          </a:scene3d>
+          <a:sp3d>
+            <a:bevelT w="190500" h="38100"/>
+          </a:sp3d>
+        </p:spPr>
+        <p:style>
+          <a:lnRef idx="2">
+            <a:schemeClr val="accent1">
+              <a:shade val="50000"/>
+            </a:schemeClr>
+          </a:lnRef>
+          <a:fillRef idx="1">
+            <a:schemeClr val="accent1"/>
+          </a:fillRef>
+          <a:effectRef idx="0">
+            <a:schemeClr val="accent1"/>
+          </a:effectRef>
+          <a:fontRef idx="minor">
+            <a:schemeClr val="lt1"/>
+          </a:fontRef>
+        </p:style>
+        <p:txBody>
+          <a:bodyPr rtlCol="0" anchor="ctr"/>
+          <a:lstStyle/>
+          <a:p>
+            <a:pPr algn="ctr"/>
+            <a:endParaRPr lang="it-IT"/>
+          </a:p>
+        </p:txBody>
+      </p:sp>
+      <p:sp>
+        <p:nvSpPr>
+          <p:cNvPr id="26" name="Freccia in giù 25"/>
+          <p:cNvSpPr/>
+          <p:nvPr/>
+        </p:nvSpPr>
+        <p:spPr>
+          <a:xfrm>
+            <a:off x="1075697" y="3567844"/>
+            <a:ext cx="252000" cy="252000"/>
+          </a:xfrm>
+          <a:prstGeom prst="downArrow">
+            <a:avLst/>
+          </a:prstGeom>
+          <a:solidFill>
+            <a:schemeClr val="bg1">
+              <a:lumMod val="85000"/>
+            </a:schemeClr>
+          </a:solidFill>
+          <a:ln>
+            <a:solidFill>
+              <a:schemeClr val="tx1"/>
+            </a:solidFill>
+          </a:ln>
+          <a:effectLst>
+            <a:outerShdw blurRad="44450" dist="27940" dir="5400000" algn="ctr">
+              <a:srgbClr val="000000">
+                <a:alpha val="32000"/>
+              </a:srgbClr>
+            </a:outerShdw>
+          </a:effectLst>
+          <a:scene3d>
+            <a:camera prst="orthographicFront">
+              <a:rot lat="0" lon="0" rev="0"/>
+            </a:camera>
+            <a:lightRig rig="balanced" dir="t">
+              <a:rot lat="0" lon="0" rev="8700000"/>
+            </a:lightRig>
+          </a:scene3d>
+          <a:sp3d>
+            <a:bevelT w="190500" h="38100"/>
+          </a:sp3d>
+        </p:spPr>
+        <p:style>
+          <a:lnRef idx="2">
+            <a:schemeClr val="accent1">
+              <a:shade val="50000"/>
+            </a:schemeClr>
+          </a:lnRef>
+          <a:fillRef idx="1">
+            <a:schemeClr val="accent1"/>
+          </a:fillRef>
+          <a:effectRef idx="0">
+            <a:schemeClr val="accent1"/>
+          </a:effectRef>
+          <a:fontRef idx="minor">
+            <a:schemeClr val="lt1"/>
+          </a:fontRef>
+        </p:style>
+        <p:txBody>
+          <a:bodyPr rtlCol="0" anchor="ctr"/>
+          <a:lstStyle/>
+          <a:p>
+            <a:pPr algn="ctr"/>
+            <a:endParaRPr lang="it-IT"/>
+          </a:p>
+        </p:txBody>
+      </p:sp>
+      <p:sp>
+        <p:nvSpPr>
+          <p:cNvPr id="27" name="Freccia in giù 26"/>
+          <p:cNvSpPr/>
+          <p:nvPr/>
+        </p:nvSpPr>
+        <p:spPr>
+          <a:xfrm>
+            <a:off x="1080942" y="3895946"/>
+            <a:ext cx="252000" cy="252000"/>
+          </a:xfrm>
+          <a:prstGeom prst="downArrow">
+            <a:avLst/>
+          </a:prstGeom>
+          <a:solidFill>
+            <a:schemeClr val="bg1">
+              <a:lumMod val="85000"/>
+            </a:schemeClr>
+          </a:solidFill>
+          <a:ln>
+            <a:solidFill>
+              <a:schemeClr val="tx1"/>
+            </a:solidFill>
+          </a:ln>
+          <a:effectLst>
+            <a:outerShdw blurRad="44450" dist="27940" dir="5400000" algn="ctr">
+              <a:srgbClr val="000000">
+                <a:alpha val="32000"/>
+              </a:srgbClr>
+            </a:outerShdw>
+          </a:effectLst>
+          <a:scene3d>
+            <a:camera prst="orthographicFront">
+              <a:rot lat="0" lon="0" rev="0"/>
+            </a:camera>
+            <a:lightRig rig="balanced" dir="t">
+              <a:rot lat="0" lon="0" rev="8700000"/>
+            </a:lightRig>
+          </a:scene3d>
+          <a:sp3d>
+            <a:bevelT w="190500" h="38100"/>
+          </a:sp3d>
+        </p:spPr>
+        <p:style>
+          <a:lnRef idx="2">
+            <a:schemeClr val="accent1">
+              <a:shade val="50000"/>
+            </a:schemeClr>
+          </a:lnRef>
+          <a:fillRef idx="1">
+            <a:schemeClr val="accent1"/>
+          </a:fillRef>
+          <a:effectRef idx="0">
+            <a:schemeClr val="accent1"/>
+          </a:effectRef>
+          <a:fontRef idx="minor">
+            <a:schemeClr val="lt1"/>
+          </a:fontRef>
+        </p:style>
+        <p:txBody>
+          <a:bodyPr rtlCol="0" anchor="ctr"/>
+          <a:lstStyle/>
+          <a:p>
+            <a:pPr algn="ctr"/>
+            <a:endParaRPr lang="it-IT"/>
+          </a:p>
+        </p:txBody>
+      </p:sp>
+      <p:pic>
+        <p:nvPicPr>
+          <p:cNvPr id="12" name="Picture 4" descr="http://dev.bukkit.org/media/images/60/142/text-file-icon.png"/>
+          <p:cNvPicPr>
+            <a:picLocks noChangeAspect="1" noChangeArrowheads="1"/>
+          </p:cNvPicPr>
+          <p:nvPr/>
+        </p:nvPicPr>
+        <p:blipFill rotWithShape="1">
+          <a:blip r:embed="rId16" cstate="print">
+            <a:extLst>
+              <a:ext uri="{BEBA8EAE-BF5A-486C-A8C5-ECC9F3942E4B}">
+                <a14:imgProps xmlns:a14="http://schemas.microsoft.com/office/drawing/2010/main">
+                  <a14:imgLayer r:embed="rId17">
+                    <a14:imgEffect>
+                      <a14:brightnessContrast bright="40000"/>
+                    </a14:imgEffect>
+                  </a14:imgLayer>
+                </a14:imgProps>
+              </a:ext>
+              <a:ext uri="{28A0092B-C50C-407E-A947-70E740481C1C}">
+                <a14:useLocalDpi xmlns:a14="http://schemas.microsoft.com/office/drawing/2010/main" val="0"/>
+              </a:ext>
+            </a:extLst>
+          </a:blip>
+          <a:srcRect l="16726" t="5583" r="14756" b="5025"/>
+          <a:stretch/>
+        </p:blipFill>
+        <p:spPr bwMode="auto">
+          <a:xfrm>
+            <a:off x="2596552" y="3381448"/>
+            <a:ext cx="629356" cy="821112"/>
+          </a:xfrm>
+          <a:prstGeom prst="rect">
+            <a:avLst/>
+          </a:prstGeom>
+          <a:noFill/>
+          <a:extLst>
+            <a:ext uri="{909E8E84-426E-40DD-AFC4-6F175D3DCCD1}">
+              <a14:hiddenFill xmlns:a14="http://schemas.microsoft.com/office/drawing/2010/main">
+                <a:solidFill>
+                  <a:srgbClr val="FFFFFF"/>
+                </a:solidFill>
+              </a14:hiddenFill>
+            </a:ext>
+          </a:extLst>
+        </p:spPr>
+      </p:pic>
+      <p:sp>
+        <p:nvSpPr>
+          <p:cNvPr id="29" name="Ovale 28"/>
+          <p:cNvSpPr/>
+          <p:nvPr/>
+        </p:nvSpPr>
+        <p:spPr>
+          <a:xfrm>
+            <a:off x="2247781" y="4641448"/>
+            <a:ext cx="1260000" cy="1260000"/>
+          </a:xfrm>
+          <a:prstGeom prst="ellipse">
+            <a:avLst/>
+          </a:prstGeom>
+          <a:pattFill prst="wdUpDiag">
+            <a:fgClr>
+              <a:srgbClr val="3E3E3E"/>
+            </a:fgClr>
+            <a:bgClr>
+              <a:srgbClr val="4A4B4D"/>
+            </a:bgClr>
+          </a:pattFill>
+          <a:ln>
+            <a:noFill/>
+          </a:ln>
+        </p:spPr>
+        <p:style>
+          <a:lnRef idx="2">
+            <a:schemeClr val="accent1">
+              <a:shade val="50000"/>
+            </a:schemeClr>
+          </a:lnRef>
+          <a:fillRef idx="1">
+            <a:schemeClr val="accent1"/>
+          </a:fillRef>
+          <a:effectRef idx="0">
+            <a:schemeClr val="accent1"/>
+          </a:effectRef>
+          <a:fontRef idx="minor">
+            <a:schemeClr val="lt1"/>
+          </a:fontRef>
+        </p:style>
+        <p:txBody>
+          <a:bodyPr rtlCol="0" anchor="ctr"/>
+          <a:lstStyle/>
+          <a:p>
+            <a:pPr algn="ctr"/>
+            <a:endParaRPr lang="it-IT"/>
+          </a:p>
+        </p:txBody>
+      </p:sp>
     </p:spTree>
     <p:extLst>
       <p:ext uri="{BB962C8B-B14F-4D97-AF65-F5344CB8AC3E}">

--- a/images/release_logos.pptx
+++ b/images/release_logos.pptx
@@ -3506,57 +3506,6 @@
           </a:extLst>
         </p:spPr>
       </p:pic>
-      <p:sp>
-        <p:nvSpPr>
-          <p:cNvPr id="5" name="Ovale 4"/>
-          <p:cNvSpPr/>
-          <p:nvPr/>
-        </p:nvSpPr>
-        <p:spPr>
-          <a:xfrm>
-            <a:off x="564923" y="3172247"/>
-            <a:ext cx="1260000" cy="1260000"/>
-          </a:xfrm>
-          <a:prstGeom prst="ellipse">
-            <a:avLst/>
-          </a:prstGeom>
-          <a:pattFill prst="wdUpDiag">
-            <a:fgClr>
-              <a:srgbClr val="3E3E3E"/>
-            </a:fgClr>
-            <a:bgClr>
-              <a:srgbClr val="4A4B4D"/>
-            </a:bgClr>
-          </a:pattFill>
-          <a:ln>
-            <a:noFill/>
-          </a:ln>
-        </p:spPr>
-        <p:style>
-          <a:lnRef idx="2">
-            <a:schemeClr val="accent1">
-              <a:shade val="50000"/>
-            </a:schemeClr>
-          </a:lnRef>
-          <a:fillRef idx="1">
-            <a:schemeClr val="accent1"/>
-          </a:fillRef>
-          <a:effectRef idx="0">
-            <a:schemeClr val="accent1"/>
-          </a:effectRef>
-          <a:fontRef idx="minor">
-            <a:schemeClr val="lt1"/>
-          </a:fontRef>
-        </p:style>
-        <p:txBody>
-          <a:bodyPr rtlCol="0" anchor="ctr"/>
-          <a:lstStyle/>
-          <a:p>
-            <a:pPr algn="ctr"/>
-            <a:endParaRPr lang="it-IT"/>
-          </a:p>
-        </p:txBody>
-      </p:sp>
       <p:pic>
         <p:nvPicPr>
           <p:cNvPr id="6" name="Picture 2" descr="https://raw.githubusercontent.com/abria/TeraStitcher/gh-pages/images/icon_setup.png"/>
@@ -3653,490 +3602,627 @@
           </a:p>
         </p:txBody>
       </p:sp>
-      <p:sp>
-        <p:nvSpPr>
-          <p:cNvPr id="20" name="Ovale 19"/>
-          <p:cNvSpPr/>
+      <p:grpSp>
+        <p:nvGrpSpPr>
+          <p:cNvPr id="13" name="Gruppo 12"/>
+          <p:cNvGrpSpPr/>
           <p:nvPr/>
-        </p:nvSpPr>
-        <p:spPr>
+        </p:nvGrpSpPr>
+        <p:grpSpPr>
+          <a:xfrm>
+            <a:off x="564923" y="3172247"/>
+            <a:ext cx="1260000" cy="1260000"/>
+            <a:chOff x="564923" y="3172247"/>
+            <a:chExt cx="1260000" cy="1260000"/>
+          </a:xfrm>
+        </p:grpSpPr>
+        <p:sp>
+          <p:nvSpPr>
+            <p:cNvPr id="5" name="Ovale 4"/>
+            <p:cNvSpPr/>
+            <p:nvPr/>
+          </p:nvSpPr>
+          <p:spPr>
+            <a:xfrm>
+              <a:off x="564923" y="3172247"/>
+              <a:ext cx="1260000" cy="1260000"/>
+            </a:xfrm>
+            <a:prstGeom prst="ellipse">
+              <a:avLst/>
+            </a:prstGeom>
+            <a:pattFill prst="wdUpDiag">
+              <a:fgClr>
+                <a:srgbClr val="3E3E3E"/>
+              </a:fgClr>
+              <a:bgClr>
+                <a:srgbClr val="4A4B4D"/>
+              </a:bgClr>
+            </a:pattFill>
+            <a:ln>
+              <a:noFill/>
+            </a:ln>
+          </p:spPr>
+          <p:style>
+            <a:lnRef idx="2">
+              <a:schemeClr val="accent1">
+                <a:shade val="50000"/>
+              </a:schemeClr>
+            </a:lnRef>
+            <a:fillRef idx="1">
+              <a:schemeClr val="accent1"/>
+            </a:fillRef>
+            <a:effectRef idx="0">
+              <a:schemeClr val="accent1"/>
+            </a:effectRef>
+            <a:fontRef idx="minor">
+              <a:schemeClr val="lt1"/>
+            </a:fontRef>
+          </p:style>
+          <p:txBody>
+            <a:bodyPr rtlCol="0" anchor="ctr"/>
+            <a:lstStyle/>
+            <a:p>
+              <a:pPr algn="ctr"/>
+              <a:endParaRPr lang="it-IT"/>
+            </a:p>
+          </p:txBody>
+        </p:sp>
+        <p:sp>
+          <p:nvSpPr>
+            <p:cNvPr id="7" name="Rettangolo 6"/>
+            <p:cNvSpPr/>
+            <p:nvPr/>
+          </p:nvSpPr>
+          <p:spPr>
+            <a:xfrm>
+              <a:off x="906473" y="3455905"/>
+              <a:ext cx="576469" cy="144000"/>
+            </a:xfrm>
+            <a:prstGeom prst="rect">
+              <a:avLst/>
+            </a:prstGeom>
+            <a:solidFill>
+              <a:schemeClr val="bg1">
+                <a:lumMod val="85000"/>
+              </a:schemeClr>
+            </a:solidFill>
+            <a:ln>
+              <a:noFill/>
+            </a:ln>
+            <a:effectLst>
+              <a:outerShdw blurRad="44450" dist="27940" dir="5400000" algn="ctr">
+                <a:srgbClr val="000000">
+                  <a:alpha val="32000"/>
+                </a:srgbClr>
+              </a:outerShdw>
+            </a:effectLst>
+            <a:scene3d>
+              <a:camera prst="orthographicFront">
+                <a:rot lat="0" lon="0" rev="0"/>
+              </a:camera>
+              <a:lightRig rig="balanced" dir="t">
+                <a:rot lat="0" lon="0" rev="8700000"/>
+              </a:lightRig>
+            </a:scene3d>
+            <a:sp3d>
+              <a:bevelT w="190500" h="38100"/>
+            </a:sp3d>
+          </p:spPr>
+          <p:style>
+            <a:lnRef idx="2">
+              <a:schemeClr val="accent1">
+                <a:shade val="50000"/>
+              </a:schemeClr>
+            </a:lnRef>
+            <a:fillRef idx="1">
+              <a:schemeClr val="accent1"/>
+            </a:fillRef>
+            <a:effectRef idx="0">
+              <a:schemeClr val="accent1"/>
+            </a:effectRef>
+            <a:fontRef idx="minor">
+              <a:schemeClr val="lt1"/>
+            </a:fontRef>
+          </p:style>
+          <p:txBody>
+            <a:bodyPr rtlCol="0" anchor="ctr"/>
+            <a:lstStyle/>
+            <a:p>
+              <a:pPr algn="ctr"/>
+              <a:endParaRPr lang="it-IT"/>
+            </a:p>
+          </p:txBody>
+        </p:sp>
+        <p:sp>
+          <p:nvSpPr>
+            <p:cNvPr id="23" name="Rettangolo 22"/>
+            <p:cNvSpPr/>
+            <p:nvPr/>
+          </p:nvSpPr>
+          <p:spPr>
+            <a:xfrm>
+              <a:off x="906473" y="3760407"/>
+              <a:ext cx="576469" cy="144000"/>
+            </a:xfrm>
+            <a:prstGeom prst="rect">
+              <a:avLst/>
+            </a:prstGeom>
+            <a:solidFill>
+              <a:schemeClr val="bg1">
+                <a:lumMod val="85000"/>
+              </a:schemeClr>
+            </a:solidFill>
+            <a:ln>
+              <a:noFill/>
+            </a:ln>
+            <a:effectLst>
+              <a:outerShdw blurRad="44450" dist="27940" dir="5400000" algn="ctr">
+                <a:srgbClr val="000000">
+                  <a:alpha val="32000"/>
+                </a:srgbClr>
+              </a:outerShdw>
+            </a:effectLst>
+            <a:scene3d>
+              <a:camera prst="orthographicFront">
+                <a:rot lat="0" lon="0" rev="0"/>
+              </a:camera>
+              <a:lightRig rig="balanced" dir="t">
+                <a:rot lat="0" lon="0" rev="8700000"/>
+              </a:lightRig>
+            </a:scene3d>
+            <a:sp3d>
+              <a:bevelT w="190500" h="38100"/>
+            </a:sp3d>
+          </p:spPr>
+          <p:style>
+            <a:lnRef idx="2">
+              <a:schemeClr val="accent1">
+                <a:shade val="50000"/>
+              </a:schemeClr>
+            </a:lnRef>
+            <a:fillRef idx="1">
+              <a:schemeClr val="accent1"/>
+            </a:fillRef>
+            <a:effectRef idx="0">
+              <a:schemeClr val="accent1"/>
+            </a:effectRef>
+            <a:fontRef idx="minor">
+              <a:schemeClr val="lt1"/>
+            </a:fontRef>
+          </p:style>
+          <p:txBody>
+            <a:bodyPr rtlCol="0" anchor="ctr"/>
+            <a:lstStyle/>
+            <a:p>
+              <a:pPr algn="ctr"/>
+              <a:endParaRPr lang="it-IT"/>
+            </a:p>
+          </p:txBody>
+        </p:sp>
+        <p:sp>
+          <p:nvSpPr>
+            <p:cNvPr id="24" name="Rettangolo 23"/>
+            <p:cNvSpPr/>
+            <p:nvPr/>
+          </p:nvSpPr>
+          <p:spPr>
+            <a:xfrm>
+              <a:off x="906473" y="4058560"/>
+              <a:ext cx="576469" cy="144000"/>
+            </a:xfrm>
+            <a:prstGeom prst="rect">
+              <a:avLst/>
+            </a:prstGeom>
+            <a:solidFill>
+              <a:schemeClr val="bg1">
+                <a:lumMod val="85000"/>
+              </a:schemeClr>
+            </a:solidFill>
+            <a:ln>
+              <a:noFill/>
+            </a:ln>
+            <a:effectLst>
+              <a:outerShdw blurRad="44450" dist="27940" dir="5400000" algn="ctr">
+                <a:srgbClr val="000000">
+                  <a:alpha val="32000"/>
+                </a:srgbClr>
+              </a:outerShdw>
+            </a:effectLst>
+            <a:scene3d>
+              <a:camera prst="orthographicFront">
+                <a:rot lat="0" lon="0" rev="0"/>
+              </a:camera>
+              <a:lightRig rig="balanced" dir="t">
+                <a:rot lat="0" lon="0" rev="8700000"/>
+              </a:lightRig>
+            </a:scene3d>
+            <a:sp3d>
+              <a:bevelT w="190500" h="38100"/>
+            </a:sp3d>
+          </p:spPr>
+          <p:style>
+            <a:lnRef idx="2">
+              <a:schemeClr val="accent1">
+                <a:shade val="50000"/>
+              </a:schemeClr>
+            </a:lnRef>
+            <a:fillRef idx="1">
+              <a:schemeClr val="accent1"/>
+            </a:fillRef>
+            <a:effectRef idx="0">
+              <a:schemeClr val="accent1"/>
+            </a:effectRef>
+            <a:fontRef idx="minor">
+              <a:schemeClr val="lt1"/>
+            </a:fontRef>
+          </p:style>
+          <p:txBody>
+            <a:bodyPr rtlCol="0" anchor="ctr"/>
+            <a:lstStyle/>
+            <a:p>
+              <a:pPr algn="ctr"/>
+              <a:endParaRPr lang="it-IT"/>
+            </a:p>
+          </p:txBody>
+        </p:sp>
+        <p:sp>
+          <p:nvSpPr>
+            <p:cNvPr id="26" name="Freccia in giù 25"/>
+            <p:cNvSpPr/>
+            <p:nvPr/>
+          </p:nvSpPr>
+          <p:spPr>
+            <a:xfrm>
+              <a:off x="1075697" y="3567844"/>
+              <a:ext cx="252000" cy="252000"/>
+            </a:xfrm>
+            <a:prstGeom prst="downArrow">
+              <a:avLst/>
+            </a:prstGeom>
+            <a:solidFill>
+              <a:schemeClr val="bg1">
+                <a:lumMod val="85000"/>
+              </a:schemeClr>
+            </a:solidFill>
+            <a:ln>
+              <a:solidFill>
+                <a:schemeClr val="tx1"/>
+              </a:solidFill>
+            </a:ln>
+            <a:effectLst>
+              <a:outerShdw blurRad="44450" dist="27940" dir="5400000" algn="ctr">
+                <a:srgbClr val="000000">
+                  <a:alpha val="32000"/>
+                </a:srgbClr>
+              </a:outerShdw>
+            </a:effectLst>
+            <a:scene3d>
+              <a:camera prst="orthographicFront">
+                <a:rot lat="0" lon="0" rev="0"/>
+              </a:camera>
+              <a:lightRig rig="balanced" dir="t">
+                <a:rot lat="0" lon="0" rev="8700000"/>
+              </a:lightRig>
+            </a:scene3d>
+            <a:sp3d>
+              <a:bevelT w="190500" h="38100"/>
+            </a:sp3d>
+          </p:spPr>
+          <p:style>
+            <a:lnRef idx="2">
+              <a:schemeClr val="accent1">
+                <a:shade val="50000"/>
+              </a:schemeClr>
+            </a:lnRef>
+            <a:fillRef idx="1">
+              <a:schemeClr val="accent1"/>
+            </a:fillRef>
+            <a:effectRef idx="0">
+              <a:schemeClr val="accent1"/>
+            </a:effectRef>
+            <a:fontRef idx="minor">
+              <a:schemeClr val="lt1"/>
+            </a:fontRef>
+          </p:style>
+          <p:txBody>
+            <a:bodyPr rtlCol="0" anchor="ctr"/>
+            <a:lstStyle/>
+            <a:p>
+              <a:pPr algn="ctr"/>
+              <a:endParaRPr lang="it-IT"/>
+            </a:p>
+          </p:txBody>
+        </p:sp>
+        <p:sp>
+          <p:nvSpPr>
+            <p:cNvPr id="27" name="Freccia in giù 26"/>
+            <p:cNvSpPr/>
+            <p:nvPr/>
+          </p:nvSpPr>
+          <p:spPr>
+            <a:xfrm>
+              <a:off x="1080942" y="3895946"/>
+              <a:ext cx="252000" cy="252000"/>
+            </a:xfrm>
+            <a:prstGeom prst="downArrow">
+              <a:avLst/>
+            </a:prstGeom>
+            <a:solidFill>
+              <a:schemeClr val="bg1">
+                <a:lumMod val="85000"/>
+              </a:schemeClr>
+            </a:solidFill>
+            <a:ln>
+              <a:solidFill>
+                <a:schemeClr val="tx1"/>
+              </a:solidFill>
+            </a:ln>
+            <a:effectLst>
+              <a:outerShdw blurRad="44450" dist="27940" dir="5400000" algn="ctr">
+                <a:srgbClr val="000000">
+                  <a:alpha val="32000"/>
+                </a:srgbClr>
+              </a:outerShdw>
+            </a:effectLst>
+            <a:scene3d>
+              <a:camera prst="orthographicFront">
+                <a:rot lat="0" lon="0" rev="0"/>
+              </a:camera>
+              <a:lightRig rig="balanced" dir="t">
+                <a:rot lat="0" lon="0" rev="8700000"/>
+              </a:lightRig>
+            </a:scene3d>
+            <a:sp3d>
+              <a:bevelT w="190500" h="38100"/>
+            </a:sp3d>
+          </p:spPr>
+          <p:style>
+            <a:lnRef idx="2">
+              <a:schemeClr val="accent1">
+                <a:shade val="50000"/>
+              </a:schemeClr>
+            </a:lnRef>
+            <a:fillRef idx="1">
+              <a:schemeClr val="accent1"/>
+            </a:fillRef>
+            <a:effectRef idx="0">
+              <a:schemeClr val="accent1"/>
+            </a:effectRef>
+            <a:fontRef idx="minor">
+              <a:schemeClr val="lt1"/>
+            </a:fontRef>
+          </p:style>
+          <p:txBody>
+            <a:bodyPr rtlCol="0" anchor="ctr"/>
+            <a:lstStyle/>
+            <a:p>
+              <a:pPr algn="ctr"/>
+              <a:endParaRPr lang="it-IT"/>
+            </a:p>
+          </p:txBody>
+        </p:sp>
+      </p:grpSp>
+      <p:grpSp>
+        <p:nvGrpSpPr>
+          <p:cNvPr id="14" name="Gruppo 13"/>
+          <p:cNvGrpSpPr/>
+          <p:nvPr/>
+        </p:nvGrpSpPr>
+        <p:grpSpPr>
           <a:xfrm>
             <a:off x="2260719" y="3162308"/>
             <a:ext cx="1260000" cy="1260000"/>
+            <a:chOff x="2260719" y="3162308"/>
+            <a:chExt cx="1260000" cy="1260000"/>
           </a:xfrm>
-          <a:prstGeom prst="ellipse">
-            <a:avLst/>
-          </a:prstGeom>
-          <a:pattFill prst="wdUpDiag">
-            <a:fgClr>
-              <a:srgbClr val="3E3E3E"/>
-            </a:fgClr>
-            <a:bgClr>
-              <a:srgbClr val="4A4B4D"/>
-            </a:bgClr>
-          </a:pattFill>
-          <a:ln>
+        </p:grpSpPr>
+        <p:sp>
+          <p:nvSpPr>
+            <p:cNvPr id="20" name="Ovale 19"/>
+            <p:cNvSpPr/>
+            <p:nvPr/>
+          </p:nvSpPr>
+          <p:spPr>
+            <a:xfrm>
+              <a:off x="2260719" y="3162308"/>
+              <a:ext cx="1260000" cy="1260000"/>
+            </a:xfrm>
+            <a:prstGeom prst="ellipse">
+              <a:avLst/>
+            </a:prstGeom>
+            <a:pattFill prst="wdUpDiag">
+              <a:fgClr>
+                <a:srgbClr val="3E3E3E"/>
+              </a:fgClr>
+              <a:bgClr>
+                <a:srgbClr val="4A4B4D"/>
+              </a:bgClr>
+            </a:pattFill>
+            <a:ln>
+              <a:noFill/>
+            </a:ln>
+          </p:spPr>
+          <p:style>
+            <a:lnRef idx="2">
+              <a:schemeClr val="accent1">
+                <a:shade val="50000"/>
+              </a:schemeClr>
+            </a:lnRef>
+            <a:fillRef idx="1">
+              <a:schemeClr val="accent1"/>
+            </a:fillRef>
+            <a:effectRef idx="0">
+              <a:schemeClr val="accent1"/>
+            </a:effectRef>
+            <a:fontRef idx="minor">
+              <a:schemeClr val="lt1"/>
+            </a:fontRef>
+          </p:style>
+          <p:txBody>
+            <a:bodyPr rtlCol="0" anchor="ctr"/>
+            <a:lstStyle/>
+            <a:p>
+              <a:pPr algn="ctr"/>
+              <a:endParaRPr lang="it-IT"/>
+            </a:p>
+          </p:txBody>
+        </p:sp>
+        <p:pic>
+          <p:nvPicPr>
+            <p:cNvPr id="12" name="Picture 4" descr="http://dev.bukkit.org/media/images/60/142/text-file-icon.png"/>
+            <p:cNvPicPr>
+              <a:picLocks noChangeAspect="1" noChangeArrowheads="1"/>
+            </p:cNvPicPr>
+            <p:nvPr/>
+          </p:nvPicPr>
+          <p:blipFill rotWithShape="1">
+            <a:blip r:embed="rId16" cstate="print">
+              <a:extLst>
+                <a:ext uri="{BEBA8EAE-BF5A-486C-A8C5-ECC9F3942E4B}">
+                  <a14:imgProps xmlns:a14="http://schemas.microsoft.com/office/drawing/2010/main">
+                    <a14:imgLayer r:embed="rId17">
+                      <a14:imgEffect>
+                        <a14:brightnessContrast bright="40000"/>
+                      </a14:imgEffect>
+                    </a14:imgLayer>
+                  </a14:imgProps>
+                </a:ext>
+                <a:ext uri="{28A0092B-C50C-407E-A947-70E740481C1C}">
+                  <a14:useLocalDpi xmlns:a14="http://schemas.microsoft.com/office/drawing/2010/main" val="0"/>
+                </a:ext>
+              </a:extLst>
+            </a:blip>
+            <a:srcRect l="16726" t="5583" r="14756" b="5025"/>
+            <a:stretch/>
+          </p:blipFill>
+          <p:spPr bwMode="auto">
+            <a:xfrm>
+              <a:off x="2596552" y="3381448"/>
+              <a:ext cx="629356" cy="821112"/>
+            </a:xfrm>
+            <a:prstGeom prst="rect">
+              <a:avLst/>
+            </a:prstGeom>
             <a:noFill/>
-          </a:ln>
-        </p:spPr>
-        <p:style>
-          <a:lnRef idx="2">
-            <a:schemeClr val="accent1">
-              <a:shade val="50000"/>
-            </a:schemeClr>
-          </a:lnRef>
-          <a:fillRef idx="1">
-            <a:schemeClr val="accent1"/>
-          </a:fillRef>
-          <a:effectRef idx="0">
-            <a:schemeClr val="accent1"/>
-          </a:effectRef>
-          <a:fontRef idx="minor">
-            <a:schemeClr val="lt1"/>
-          </a:fontRef>
-        </p:style>
-        <p:txBody>
-          <a:bodyPr rtlCol="0" anchor="ctr"/>
-          <a:lstStyle/>
-          <a:p>
-            <a:pPr algn="ctr"/>
-            <a:endParaRPr lang="it-IT"/>
-          </a:p>
-        </p:txBody>
-      </p:sp>
-      <p:sp>
-        <p:nvSpPr>
-          <p:cNvPr id="7" name="Rettangolo 6"/>
-          <p:cNvSpPr/>
-          <p:nvPr/>
-        </p:nvSpPr>
-        <p:spPr>
-          <a:xfrm>
-            <a:off x="906473" y="3455905"/>
-            <a:ext cx="576469" cy="144000"/>
-          </a:xfrm>
-          <a:prstGeom prst="rect">
-            <a:avLst/>
-          </a:prstGeom>
-          <a:solidFill>
-            <a:schemeClr val="bg1">
-              <a:lumMod val="85000"/>
-            </a:schemeClr>
-          </a:solidFill>
-          <a:ln>
-            <a:noFill/>
-          </a:ln>
-          <a:effectLst>
-            <a:outerShdw blurRad="44450" dist="27940" dir="5400000" algn="ctr">
-              <a:srgbClr val="000000">
-                <a:alpha val="32000"/>
-              </a:srgbClr>
-            </a:outerShdw>
-          </a:effectLst>
-          <a:scene3d>
-            <a:camera prst="orthographicFront">
-              <a:rot lat="0" lon="0" rev="0"/>
-            </a:camera>
-            <a:lightRig rig="balanced" dir="t">
-              <a:rot lat="0" lon="0" rev="8700000"/>
-            </a:lightRig>
-          </a:scene3d>
-          <a:sp3d>
-            <a:bevelT w="190500" h="38100"/>
-          </a:sp3d>
-        </p:spPr>
-        <p:style>
-          <a:lnRef idx="2">
-            <a:schemeClr val="accent1">
-              <a:shade val="50000"/>
-            </a:schemeClr>
-          </a:lnRef>
-          <a:fillRef idx="1">
-            <a:schemeClr val="accent1"/>
-          </a:fillRef>
-          <a:effectRef idx="0">
-            <a:schemeClr val="accent1"/>
-          </a:effectRef>
-          <a:fontRef idx="minor">
-            <a:schemeClr val="lt1"/>
-          </a:fontRef>
-        </p:style>
-        <p:txBody>
-          <a:bodyPr rtlCol="0" anchor="ctr"/>
-          <a:lstStyle/>
-          <a:p>
-            <a:pPr algn="ctr"/>
-            <a:endParaRPr lang="it-IT"/>
-          </a:p>
-        </p:txBody>
-      </p:sp>
-      <p:sp>
-        <p:nvSpPr>
-          <p:cNvPr id="23" name="Rettangolo 22"/>
-          <p:cNvSpPr/>
-          <p:nvPr/>
-        </p:nvSpPr>
-        <p:spPr>
-          <a:xfrm>
-            <a:off x="906473" y="3760407"/>
-            <a:ext cx="576469" cy="144000"/>
-          </a:xfrm>
-          <a:prstGeom prst="rect">
-            <a:avLst/>
-          </a:prstGeom>
-          <a:solidFill>
-            <a:schemeClr val="bg1">
-              <a:lumMod val="85000"/>
-            </a:schemeClr>
-          </a:solidFill>
-          <a:ln>
-            <a:noFill/>
-          </a:ln>
-          <a:effectLst>
-            <a:outerShdw blurRad="44450" dist="27940" dir="5400000" algn="ctr">
-              <a:srgbClr val="000000">
-                <a:alpha val="32000"/>
-              </a:srgbClr>
-            </a:outerShdw>
-          </a:effectLst>
-          <a:scene3d>
-            <a:camera prst="orthographicFront">
-              <a:rot lat="0" lon="0" rev="0"/>
-            </a:camera>
-            <a:lightRig rig="balanced" dir="t">
-              <a:rot lat="0" lon="0" rev="8700000"/>
-            </a:lightRig>
-          </a:scene3d>
-          <a:sp3d>
-            <a:bevelT w="190500" h="38100"/>
-          </a:sp3d>
-        </p:spPr>
-        <p:style>
-          <a:lnRef idx="2">
-            <a:schemeClr val="accent1">
-              <a:shade val="50000"/>
-            </a:schemeClr>
-          </a:lnRef>
-          <a:fillRef idx="1">
-            <a:schemeClr val="accent1"/>
-          </a:fillRef>
-          <a:effectRef idx="0">
-            <a:schemeClr val="accent1"/>
-          </a:effectRef>
-          <a:fontRef idx="minor">
-            <a:schemeClr val="lt1"/>
-          </a:fontRef>
-        </p:style>
-        <p:txBody>
-          <a:bodyPr rtlCol="0" anchor="ctr"/>
-          <a:lstStyle/>
-          <a:p>
-            <a:pPr algn="ctr"/>
-            <a:endParaRPr lang="it-IT"/>
-          </a:p>
-        </p:txBody>
-      </p:sp>
-      <p:sp>
-        <p:nvSpPr>
-          <p:cNvPr id="24" name="Rettangolo 23"/>
-          <p:cNvSpPr/>
-          <p:nvPr/>
-        </p:nvSpPr>
-        <p:spPr>
-          <a:xfrm>
-            <a:off x="906473" y="4058560"/>
-            <a:ext cx="576469" cy="144000"/>
-          </a:xfrm>
-          <a:prstGeom prst="rect">
-            <a:avLst/>
-          </a:prstGeom>
-          <a:solidFill>
-            <a:schemeClr val="bg1">
-              <a:lumMod val="85000"/>
-            </a:schemeClr>
-          </a:solidFill>
-          <a:ln>
-            <a:noFill/>
-          </a:ln>
-          <a:effectLst>
-            <a:outerShdw blurRad="44450" dist="27940" dir="5400000" algn="ctr">
-              <a:srgbClr val="000000">
-                <a:alpha val="32000"/>
-              </a:srgbClr>
-            </a:outerShdw>
-          </a:effectLst>
-          <a:scene3d>
-            <a:camera prst="orthographicFront">
-              <a:rot lat="0" lon="0" rev="0"/>
-            </a:camera>
-            <a:lightRig rig="balanced" dir="t">
-              <a:rot lat="0" lon="0" rev="8700000"/>
-            </a:lightRig>
-          </a:scene3d>
-          <a:sp3d>
-            <a:bevelT w="190500" h="38100"/>
-          </a:sp3d>
-        </p:spPr>
-        <p:style>
-          <a:lnRef idx="2">
-            <a:schemeClr val="accent1">
-              <a:shade val="50000"/>
-            </a:schemeClr>
-          </a:lnRef>
-          <a:fillRef idx="1">
-            <a:schemeClr val="accent1"/>
-          </a:fillRef>
-          <a:effectRef idx="0">
-            <a:schemeClr val="accent1"/>
-          </a:effectRef>
-          <a:fontRef idx="minor">
-            <a:schemeClr val="lt1"/>
-          </a:fontRef>
-        </p:style>
-        <p:txBody>
-          <a:bodyPr rtlCol="0" anchor="ctr"/>
-          <a:lstStyle/>
-          <a:p>
-            <a:pPr algn="ctr"/>
-            <a:endParaRPr lang="it-IT"/>
-          </a:p>
-        </p:txBody>
-      </p:sp>
-      <p:sp>
-        <p:nvSpPr>
-          <p:cNvPr id="26" name="Freccia in giù 25"/>
-          <p:cNvSpPr/>
-          <p:nvPr/>
-        </p:nvSpPr>
-        <p:spPr>
-          <a:xfrm>
-            <a:off x="1075697" y="3567844"/>
-            <a:ext cx="252000" cy="252000"/>
-          </a:xfrm>
-          <a:prstGeom prst="downArrow">
-            <a:avLst/>
-          </a:prstGeom>
-          <a:solidFill>
-            <a:schemeClr val="bg1">
-              <a:lumMod val="85000"/>
-            </a:schemeClr>
-          </a:solidFill>
-          <a:ln>
-            <a:solidFill>
-              <a:schemeClr val="tx1"/>
-            </a:solidFill>
-          </a:ln>
-          <a:effectLst>
-            <a:outerShdw blurRad="44450" dist="27940" dir="5400000" algn="ctr">
-              <a:srgbClr val="000000">
-                <a:alpha val="32000"/>
-              </a:srgbClr>
-            </a:outerShdw>
-          </a:effectLst>
-          <a:scene3d>
-            <a:camera prst="orthographicFront">
-              <a:rot lat="0" lon="0" rev="0"/>
-            </a:camera>
-            <a:lightRig rig="balanced" dir="t">
-              <a:rot lat="0" lon="0" rev="8700000"/>
-            </a:lightRig>
-          </a:scene3d>
-          <a:sp3d>
-            <a:bevelT w="190500" h="38100"/>
-          </a:sp3d>
-        </p:spPr>
-        <p:style>
-          <a:lnRef idx="2">
-            <a:schemeClr val="accent1">
-              <a:shade val="50000"/>
-            </a:schemeClr>
-          </a:lnRef>
-          <a:fillRef idx="1">
-            <a:schemeClr val="accent1"/>
-          </a:fillRef>
-          <a:effectRef idx="0">
-            <a:schemeClr val="accent1"/>
-          </a:effectRef>
-          <a:fontRef idx="minor">
-            <a:schemeClr val="lt1"/>
-          </a:fontRef>
-        </p:style>
-        <p:txBody>
-          <a:bodyPr rtlCol="0" anchor="ctr"/>
-          <a:lstStyle/>
-          <a:p>
-            <a:pPr algn="ctr"/>
-            <a:endParaRPr lang="it-IT"/>
-          </a:p>
-        </p:txBody>
-      </p:sp>
-      <p:sp>
-        <p:nvSpPr>
-          <p:cNvPr id="27" name="Freccia in giù 26"/>
-          <p:cNvSpPr/>
-          <p:nvPr/>
-        </p:nvSpPr>
-        <p:spPr>
-          <a:xfrm>
-            <a:off x="1080942" y="3895946"/>
-            <a:ext cx="252000" cy="252000"/>
-          </a:xfrm>
-          <a:prstGeom prst="downArrow">
-            <a:avLst/>
-          </a:prstGeom>
-          <a:solidFill>
-            <a:schemeClr val="bg1">
-              <a:lumMod val="85000"/>
-            </a:schemeClr>
-          </a:solidFill>
-          <a:ln>
-            <a:solidFill>
-              <a:schemeClr val="tx1"/>
-            </a:solidFill>
-          </a:ln>
-          <a:effectLst>
-            <a:outerShdw blurRad="44450" dist="27940" dir="5400000" algn="ctr">
-              <a:srgbClr val="000000">
-                <a:alpha val="32000"/>
-              </a:srgbClr>
-            </a:outerShdw>
-          </a:effectLst>
-          <a:scene3d>
-            <a:camera prst="orthographicFront">
-              <a:rot lat="0" lon="0" rev="0"/>
-            </a:camera>
-            <a:lightRig rig="balanced" dir="t">
-              <a:rot lat="0" lon="0" rev="8700000"/>
-            </a:lightRig>
-          </a:scene3d>
-          <a:sp3d>
-            <a:bevelT w="190500" h="38100"/>
-          </a:sp3d>
-        </p:spPr>
-        <p:style>
-          <a:lnRef idx="2">
-            <a:schemeClr val="accent1">
-              <a:shade val="50000"/>
-            </a:schemeClr>
-          </a:lnRef>
-          <a:fillRef idx="1">
-            <a:schemeClr val="accent1"/>
-          </a:fillRef>
-          <a:effectRef idx="0">
-            <a:schemeClr val="accent1"/>
-          </a:effectRef>
-          <a:fontRef idx="minor">
-            <a:schemeClr val="lt1"/>
-          </a:fontRef>
-        </p:style>
-        <p:txBody>
-          <a:bodyPr rtlCol="0" anchor="ctr"/>
-          <a:lstStyle/>
-          <a:p>
-            <a:pPr algn="ctr"/>
-            <a:endParaRPr lang="it-IT"/>
-          </a:p>
-        </p:txBody>
-      </p:sp>
-      <p:pic>
-        <p:nvPicPr>
-          <p:cNvPr id="12" name="Picture 4" descr="http://dev.bukkit.org/media/images/60/142/text-file-icon.png"/>
-          <p:cNvPicPr>
-            <a:picLocks noChangeAspect="1" noChangeArrowheads="1"/>
-          </p:cNvPicPr>
-          <p:nvPr/>
-        </p:nvPicPr>
-        <p:blipFill rotWithShape="1">
-          <a:blip r:embed="rId16" cstate="print">
             <a:extLst>
-              <a:ext uri="{BEBA8EAE-BF5A-486C-A8C5-ECC9F3942E4B}">
-                <a14:imgProps xmlns:a14="http://schemas.microsoft.com/office/drawing/2010/main">
-                  <a14:imgLayer r:embed="rId17">
-                    <a14:imgEffect>
-                      <a14:brightnessContrast bright="40000"/>
-                    </a14:imgEffect>
-                  </a14:imgLayer>
-                </a14:imgProps>
-              </a:ext>
-              <a:ext uri="{28A0092B-C50C-407E-A947-70E740481C1C}">
-                <a14:useLocalDpi xmlns:a14="http://schemas.microsoft.com/office/drawing/2010/main" val="0"/>
+              <a:ext uri="{909E8E84-426E-40DD-AFC4-6F175D3DCCD1}">
+                <a14:hiddenFill xmlns:a14="http://schemas.microsoft.com/office/drawing/2010/main">
+                  <a:solidFill>
+                    <a:srgbClr val="FFFFFF"/>
+                  </a:solidFill>
+                </a14:hiddenFill>
               </a:ext>
             </a:extLst>
-          </a:blip>
-          <a:srcRect l="16726" t="5583" r="14756" b="5025"/>
-          <a:stretch/>
-        </p:blipFill>
-        <p:spPr bwMode="auto">
-          <a:xfrm>
-            <a:off x="2596552" y="3381448"/>
-            <a:ext cx="629356" cy="821112"/>
-          </a:xfrm>
-          <a:prstGeom prst="rect">
-            <a:avLst/>
-          </a:prstGeom>
-          <a:noFill/>
-          <a:extLst>
-            <a:ext uri="{909E8E84-426E-40DD-AFC4-6F175D3DCCD1}">
-              <a14:hiddenFill xmlns:a14="http://schemas.microsoft.com/office/drawing/2010/main">
-                <a:solidFill>
-                  <a:srgbClr val="FFFFFF"/>
-                </a:solidFill>
-              </a14:hiddenFill>
-            </a:ext>
-          </a:extLst>
-        </p:spPr>
-      </p:pic>
-      <p:sp>
-        <p:nvSpPr>
-          <p:cNvPr id="29" name="Ovale 28"/>
-          <p:cNvSpPr/>
+          </p:spPr>
+        </p:pic>
+      </p:grpSp>
+      <p:grpSp>
+        <p:nvGrpSpPr>
+          <p:cNvPr id="17" name="Gruppo 16"/>
+          <p:cNvGrpSpPr/>
           <p:nvPr/>
-        </p:nvSpPr>
-        <p:spPr>
+        </p:nvGrpSpPr>
+        <p:grpSpPr>
           <a:xfrm>
             <a:off x="2247781" y="4641448"/>
             <a:ext cx="1260000" cy="1260000"/>
+            <a:chOff x="2247781" y="4641448"/>
+            <a:chExt cx="1260000" cy="1260000"/>
           </a:xfrm>
-          <a:prstGeom prst="ellipse">
-            <a:avLst/>
-          </a:prstGeom>
-          <a:pattFill prst="wdUpDiag">
-            <a:fgClr>
-              <a:srgbClr val="3E3E3E"/>
-            </a:fgClr>
-            <a:bgClr>
-              <a:srgbClr val="4A4B4D"/>
-            </a:bgClr>
-          </a:pattFill>
-          <a:ln>
+        </p:grpSpPr>
+        <p:sp>
+          <p:nvSpPr>
+            <p:cNvPr id="29" name="Ovale 28"/>
+            <p:cNvSpPr/>
+            <p:nvPr/>
+          </p:nvSpPr>
+          <p:spPr>
+            <a:xfrm>
+              <a:off x="2247781" y="4641448"/>
+              <a:ext cx="1260000" cy="1260000"/>
+            </a:xfrm>
+            <a:prstGeom prst="ellipse">
+              <a:avLst/>
+            </a:prstGeom>
+            <a:pattFill prst="wdUpDiag">
+              <a:fgClr>
+                <a:srgbClr val="3E3E3E"/>
+              </a:fgClr>
+              <a:bgClr>
+                <a:srgbClr val="4A4B4D"/>
+              </a:bgClr>
+            </a:pattFill>
+            <a:ln>
+              <a:noFill/>
+            </a:ln>
+          </p:spPr>
+          <p:style>
+            <a:lnRef idx="2">
+              <a:schemeClr val="accent1">
+                <a:shade val="50000"/>
+              </a:schemeClr>
+            </a:lnRef>
+            <a:fillRef idx="1">
+              <a:schemeClr val="accent1"/>
+            </a:fillRef>
+            <a:effectRef idx="0">
+              <a:schemeClr val="accent1"/>
+            </a:effectRef>
+            <a:fontRef idx="minor">
+              <a:schemeClr val="lt1"/>
+            </a:fontRef>
+          </p:style>
+          <p:txBody>
+            <a:bodyPr rtlCol="0" anchor="ctr"/>
+            <a:lstStyle/>
+            <a:p>
+              <a:pPr algn="ctr"/>
+              <a:endParaRPr lang="it-IT"/>
+            </a:p>
+          </p:txBody>
+        </p:sp>
+        <p:pic>
+          <p:nvPicPr>
+            <p:cNvPr id="16" name="Picture 8" descr="http://www.iconsdb.com/icons/preview/white/settings-5-xxl.png"/>
+            <p:cNvPicPr>
+              <a:picLocks noChangeAspect="1" noChangeArrowheads="1"/>
+            </p:cNvPicPr>
+            <p:nvPr/>
+          </p:nvPicPr>
+          <p:blipFill>
+            <a:blip r:embed="rId18" cstate="print">
+              <a:extLst>
+                <a:ext uri="{28A0092B-C50C-407E-A947-70E740481C1C}">
+                  <a14:useLocalDpi xmlns:a14="http://schemas.microsoft.com/office/drawing/2010/main" val="0"/>
+                </a:ext>
+              </a:extLst>
+            </a:blip>
+            <a:srcRect/>
+            <a:stretch>
+              <a:fillRect/>
+            </a:stretch>
+          </p:blipFill>
+          <p:spPr bwMode="auto">
+            <a:xfrm>
+              <a:off x="2509143" y="4913575"/>
+              <a:ext cx="746582" cy="746582"/>
+            </a:xfrm>
+            <a:prstGeom prst="rect">
+              <a:avLst/>
+            </a:prstGeom>
             <a:noFill/>
-          </a:ln>
-        </p:spPr>
-        <p:style>
-          <a:lnRef idx="2">
-            <a:schemeClr val="accent1">
-              <a:shade val="50000"/>
-            </a:schemeClr>
-          </a:lnRef>
-          <a:fillRef idx="1">
-            <a:schemeClr val="accent1"/>
-          </a:fillRef>
-          <a:effectRef idx="0">
-            <a:schemeClr val="accent1"/>
-          </a:effectRef>
-          <a:fontRef idx="minor">
-            <a:schemeClr val="lt1"/>
-          </a:fontRef>
-        </p:style>
-        <p:txBody>
-          <a:bodyPr rtlCol="0" anchor="ctr"/>
-          <a:lstStyle/>
-          <a:p>
-            <a:pPr algn="ctr"/>
-            <a:endParaRPr lang="it-IT"/>
-          </a:p>
-        </p:txBody>
-      </p:sp>
+            <a:extLst>
+              <a:ext uri="{909E8E84-426E-40DD-AFC4-6F175D3DCCD1}">
+                <a14:hiddenFill xmlns:a14="http://schemas.microsoft.com/office/drawing/2010/main">
+                  <a:solidFill>
+                    <a:srgbClr val="FFFFFF"/>
+                  </a:solidFill>
+                </a14:hiddenFill>
+              </a:ext>
+            </a:extLst>
+          </p:spPr>
+        </p:pic>
+      </p:grpSp>
     </p:spTree>
     <p:extLst>
       <p:ext uri="{BB962C8B-B14F-4D97-AF65-F5344CB8AC3E}">
